--- a/智能连接图表_v2.0输出.pptx
+++ b/智能连接图表_v2.0输出.pptx
@@ -1,11 +1,11 @@
 
 <file path=ppt/presentation.xml><?xml version="1.0" encoding="utf-8"?>
-<p:presentation xmlns:a="http://schemas.openxmlformats.org/drawingml/2006/main" xmlns:r="http://schemas.openxmlformats.org/officeDocument/2006/relationships" xmlns:p="http://schemas.openxmlformats.org/presentationml/2006/main" saveSubsetFonts="1" autoCompressPictures="0">
+<p:presentation xmlns:a="http://schemas.openxmlformats.org/drawingml/2006/main" xmlns:r="http://schemas.openxmlformats.org/officeDocument/2006/relationships" xmlns:p="http://schemas.openxmlformats.org/presentationml/2006/main" autoCompressPictures="0">
   <p:sldMasterIdLst>
     <p:sldMasterId id="2147483648" r:id="rId1"/>
   </p:sldMasterIdLst>
   <p:sldIdLst>
-    <p:sldId id="256" r:id="rId7"/>
+    <p:sldId id="256" r:id="rId3"/>
   </p:sldIdLst>
   <p:sldSz cx="9144000" cy="6858000" type="screen4x3"/>
   <p:notesSz cx="6858000" cy="9144000"/>
@@ -104,6 +104,22 @@
       </a:defRPr>
     </a:lvl9pPr>
   </p:defaultTextStyle>
+  <p:extLst>
+    <p:ext uri="{EFAFB233-063F-42B5-8137-9DF3F51BA10A}">
+      <p15:sldGuideLst xmlns:p15="http://schemas.microsoft.com/office/powerpoint/2012/main">
+        <p15:guide id="1" orient="horz" pos="2160" userDrawn="1">
+          <p15:clr>
+            <a:srgbClr val="A4A3A4"/>
+          </p15:clr>
+        </p15:guide>
+        <p15:guide id="2" pos="2880" userDrawn="1">
+          <p15:clr>
+            <a:srgbClr val="A4A3A4"/>
+          </p15:clr>
+        </p15:guide>
+      </p15:sldGuideLst>
+    </p:ext>
+  </p:extLst>
 </p:presentation>
 </file>
 
@@ -288,7 +304,6 @@
           <a:p>
             <a:fld id="{5BCAD085-E8A6-8845-BD4E-CB4CCA059FC4}" type="datetimeFigureOut">
               <a:rPr lang="en-US" smtClean="0"/>
-              <a:t>1/27/13</a:t>
             </a:fld>
             <a:endParaRPr lang="en-US"/>
           </a:p>
@@ -330,18 +345,12 @@
           <a:p>
             <a:fld id="{C1FF6DA9-008F-8B48-92A6-B652298478BF}" type="slidenum">
               <a:rPr lang="en-US" smtClean="0"/>
-              <a:t>‹#›</a:t>
             </a:fld>
             <a:endParaRPr lang="en-US"/>
           </a:p>
         </p:txBody>
       </p:sp>
     </p:spTree>
-    <p:extLst>
-      <p:ext uri="{BB962C8B-B14F-4D97-AF65-F5344CB8AC3E}">
-        <p14:creationId xmlns:p14="http://schemas.microsoft.com/office/powerpoint/2010/main" val="3168075583"/>
-      </p:ext>
-    </p:extLst>
   </p:cSld>
   <p:clrMapOvr>
     <a:masterClrMapping/>
@@ -409,6 +418,7 @@
               <a:rPr lang="en-US" smtClean="0"/>
               <a:t>Click to edit Master text styles</a:t>
             </a:r>
+            <a:endParaRPr lang="en-US" smtClean="0"/>
           </a:p>
           <a:p>
             <a:pPr lvl="1"/>
@@ -416,6 +426,7 @@
               <a:rPr lang="en-US" smtClean="0"/>
               <a:t>Second level</a:t>
             </a:r>
+            <a:endParaRPr lang="en-US" smtClean="0"/>
           </a:p>
           <a:p>
             <a:pPr lvl="2"/>
@@ -423,6 +434,7 @@
               <a:rPr lang="en-US" smtClean="0"/>
               <a:t>Third level</a:t>
             </a:r>
+            <a:endParaRPr lang="en-US" smtClean="0"/>
           </a:p>
           <a:p>
             <a:pPr lvl="3"/>
@@ -430,6 +442,7 @@
               <a:rPr lang="en-US" smtClean="0"/>
               <a:t>Fourth level</a:t>
             </a:r>
+            <a:endParaRPr lang="en-US" smtClean="0"/>
           </a:p>
           <a:p>
             <a:pPr lvl="4"/>
@@ -458,7 +471,6 @@
           <a:p>
             <a:fld id="{5BCAD085-E8A6-8845-BD4E-CB4CCA059FC4}" type="datetimeFigureOut">
               <a:rPr lang="en-US" smtClean="0"/>
-              <a:t>1/27/13</a:t>
             </a:fld>
             <a:endParaRPr lang="en-US"/>
           </a:p>
@@ -500,18 +512,12 @@
           <a:p>
             <a:fld id="{C1FF6DA9-008F-8B48-92A6-B652298478BF}" type="slidenum">
               <a:rPr lang="en-US" smtClean="0"/>
-              <a:t>‹#›</a:t>
             </a:fld>
             <a:endParaRPr lang="en-US"/>
           </a:p>
         </p:txBody>
       </p:sp>
     </p:spTree>
-    <p:extLst>
-      <p:ext uri="{BB962C8B-B14F-4D97-AF65-F5344CB8AC3E}">
-        <p14:creationId xmlns:p14="http://schemas.microsoft.com/office/powerpoint/2010/main" val="2910927964"/>
-      </p:ext>
-    </p:extLst>
   </p:cSld>
   <p:clrMapOvr>
     <a:masterClrMapping/>
@@ -589,6 +595,7 @@
               <a:rPr lang="en-US" smtClean="0"/>
               <a:t>Click to edit Master text styles</a:t>
             </a:r>
+            <a:endParaRPr lang="en-US" smtClean="0"/>
           </a:p>
           <a:p>
             <a:pPr lvl="1"/>
@@ -596,6 +603,7 @@
               <a:rPr lang="en-US" smtClean="0"/>
               <a:t>Second level</a:t>
             </a:r>
+            <a:endParaRPr lang="en-US" smtClean="0"/>
           </a:p>
           <a:p>
             <a:pPr lvl="2"/>
@@ -603,6 +611,7 @@
               <a:rPr lang="en-US" smtClean="0"/>
               <a:t>Third level</a:t>
             </a:r>
+            <a:endParaRPr lang="en-US" smtClean="0"/>
           </a:p>
           <a:p>
             <a:pPr lvl="3"/>
@@ -610,6 +619,7 @@
               <a:rPr lang="en-US" smtClean="0"/>
               <a:t>Fourth level</a:t>
             </a:r>
+            <a:endParaRPr lang="en-US" smtClean="0"/>
           </a:p>
           <a:p>
             <a:pPr lvl="4"/>
@@ -638,7 +648,6 @@
           <a:p>
             <a:fld id="{5BCAD085-E8A6-8845-BD4E-CB4CCA059FC4}" type="datetimeFigureOut">
               <a:rPr lang="en-US" smtClean="0"/>
-              <a:t>1/27/13</a:t>
             </a:fld>
             <a:endParaRPr lang="en-US"/>
           </a:p>
@@ -680,18 +689,12 @@
           <a:p>
             <a:fld id="{C1FF6DA9-008F-8B48-92A6-B652298478BF}" type="slidenum">
               <a:rPr lang="en-US" smtClean="0"/>
-              <a:t>‹#›</a:t>
             </a:fld>
             <a:endParaRPr lang="en-US"/>
           </a:p>
         </p:txBody>
       </p:sp>
     </p:spTree>
-    <p:extLst>
-      <p:ext uri="{BB962C8B-B14F-4D97-AF65-F5344CB8AC3E}">
-        <p14:creationId xmlns:p14="http://schemas.microsoft.com/office/powerpoint/2010/main" val="3612223792"/>
-      </p:ext>
-    </p:extLst>
   </p:cSld>
   <p:clrMapOvr>
     <a:masterClrMapping/>
@@ -759,6 +762,7 @@
               <a:rPr lang="en-US" smtClean="0"/>
               <a:t>Click to edit Master text styles</a:t>
             </a:r>
+            <a:endParaRPr lang="en-US" smtClean="0"/>
           </a:p>
           <a:p>
             <a:pPr lvl="1"/>
@@ -766,6 +770,7 @@
               <a:rPr lang="en-US" smtClean="0"/>
               <a:t>Second level</a:t>
             </a:r>
+            <a:endParaRPr lang="en-US" smtClean="0"/>
           </a:p>
           <a:p>
             <a:pPr lvl="2"/>
@@ -773,6 +778,7 @@
               <a:rPr lang="en-US" smtClean="0"/>
               <a:t>Third level</a:t>
             </a:r>
+            <a:endParaRPr lang="en-US" smtClean="0"/>
           </a:p>
           <a:p>
             <a:pPr lvl="3"/>
@@ -780,6 +786,7 @@
               <a:rPr lang="en-US" smtClean="0"/>
               <a:t>Fourth level</a:t>
             </a:r>
+            <a:endParaRPr lang="en-US" smtClean="0"/>
           </a:p>
           <a:p>
             <a:pPr lvl="4"/>
@@ -808,7 +815,6 @@
           <a:p>
             <a:fld id="{5BCAD085-E8A6-8845-BD4E-CB4CCA059FC4}" type="datetimeFigureOut">
               <a:rPr lang="en-US" smtClean="0"/>
-              <a:t>1/27/13</a:t>
             </a:fld>
             <a:endParaRPr lang="en-US"/>
           </a:p>
@@ -850,18 +856,12 @@
           <a:p>
             <a:fld id="{C1FF6DA9-008F-8B48-92A6-B652298478BF}" type="slidenum">
               <a:rPr lang="en-US" smtClean="0"/>
-              <a:t>‹#›</a:t>
             </a:fld>
             <a:endParaRPr lang="en-US"/>
           </a:p>
         </p:txBody>
       </p:sp>
     </p:spTree>
-    <p:extLst>
-      <p:ext uri="{BB962C8B-B14F-4D97-AF65-F5344CB8AC3E}">
-        <p14:creationId xmlns:p14="http://schemas.microsoft.com/office/powerpoint/2010/main" val="2614314258"/>
-      </p:ext>
-    </p:extLst>
   </p:cSld>
   <p:clrMapOvr>
     <a:masterClrMapping/>
@@ -1034,6 +1034,7 @@
               <a:rPr lang="en-US" smtClean="0"/>
               <a:t>Click to edit Master text styles</a:t>
             </a:r>
+            <a:endParaRPr lang="en-US" smtClean="0"/>
           </a:p>
         </p:txBody>
       </p:sp>
@@ -1054,7 +1055,6 @@
           <a:p>
             <a:fld id="{5BCAD085-E8A6-8845-BD4E-CB4CCA059FC4}" type="datetimeFigureOut">
               <a:rPr lang="en-US" smtClean="0"/>
-              <a:t>1/27/13</a:t>
             </a:fld>
             <a:endParaRPr lang="en-US"/>
           </a:p>
@@ -1096,18 +1096,12 @@
           <a:p>
             <a:fld id="{C1FF6DA9-008F-8B48-92A6-B652298478BF}" type="slidenum">
               <a:rPr lang="en-US" smtClean="0"/>
-              <a:t>‹#›</a:t>
             </a:fld>
             <a:endParaRPr lang="en-US"/>
           </a:p>
         </p:txBody>
       </p:sp>
     </p:spTree>
-    <p:extLst>
-      <p:ext uri="{BB962C8B-B14F-4D97-AF65-F5344CB8AC3E}">
-        <p14:creationId xmlns:p14="http://schemas.microsoft.com/office/powerpoint/2010/main" val="960648375"/>
-      </p:ext>
-    </p:extLst>
   </p:cSld>
   <p:clrMapOvr>
     <a:masterClrMapping/>
@@ -1208,6 +1202,7 @@
               <a:rPr lang="en-US" smtClean="0"/>
               <a:t>Click to edit Master text styles</a:t>
             </a:r>
+            <a:endParaRPr lang="en-US" smtClean="0"/>
           </a:p>
           <a:p>
             <a:pPr lvl="1"/>
@@ -1215,6 +1210,7 @@
               <a:rPr lang="en-US" smtClean="0"/>
               <a:t>Second level</a:t>
             </a:r>
+            <a:endParaRPr lang="en-US" smtClean="0"/>
           </a:p>
           <a:p>
             <a:pPr lvl="2"/>
@@ -1222,6 +1218,7 @@
               <a:rPr lang="en-US" smtClean="0"/>
               <a:t>Third level</a:t>
             </a:r>
+            <a:endParaRPr lang="en-US" smtClean="0"/>
           </a:p>
           <a:p>
             <a:pPr lvl="3"/>
@@ -1229,6 +1226,7 @@
               <a:rPr lang="en-US" smtClean="0"/>
               <a:t>Fourth level</a:t>
             </a:r>
+            <a:endParaRPr lang="en-US" smtClean="0"/>
           </a:p>
           <a:p>
             <a:pPr lvl="4"/>
@@ -1293,6 +1291,7 @@
               <a:rPr lang="en-US" smtClean="0"/>
               <a:t>Click to edit Master text styles</a:t>
             </a:r>
+            <a:endParaRPr lang="en-US" smtClean="0"/>
           </a:p>
           <a:p>
             <a:pPr lvl="1"/>
@@ -1300,6 +1299,7 @@
               <a:rPr lang="en-US" smtClean="0"/>
               <a:t>Second level</a:t>
             </a:r>
+            <a:endParaRPr lang="en-US" smtClean="0"/>
           </a:p>
           <a:p>
             <a:pPr lvl="2"/>
@@ -1307,6 +1307,7 @@
               <a:rPr lang="en-US" smtClean="0"/>
               <a:t>Third level</a:t>
             </a:r>
+            <a:endParaRPr lang="en-US" smtClean="0"/>
           </a:p>
           <a:p>
             <a:pPr lvl="3"/>
@@ -1314,6 +1315,7 @@
               <a:rPr lang="en-US" smtClean="0"/>
               <a:t>Fourth level</a:t>
             </a:r>
+            <a:endParaRPr lang="en-US" smtClean="0"/>
           </a:p>
           <a:p>
             <a:pPr lvl="4"/>
@@ -1342,7 +1344,6 @@
           <a:p>
             <a:fld id="{5BCAD085-E8A6-8845-BD4E-CB4CCA059FC4}" type="datetimeFigureOut">
               <a:rPr lang="en-US" smtClean="0"/>
-              <a:t>1/27/13</a:t>
             </a:fld>
             <a:endParaRPr lang="en-US"/>
           </a:p>
@@ -1384,18 +1385,12 @@
           <a:p>
             <a:fld id="{C1FF6DA9-008F-8B48-92A6-B652298478BF}" type="slidenum">
               <a:rPr lang="en-US" smtClean="0"/>
-              <a:t>‹#›</a:t>
             </a:fld>
             <a:endParaRPr lang="en-US"/>
           </a:p>
         </p:txBody>
       </p:sp>
     </p:spTree>
-    <p:extLst>
-      <p:ext uri="{BB962C8B-B14F-4D97-AF65-F5344CB8AC3E}">
-        <p14:creationId xmlns:p14="http://schemas.microsoft.com/office/powerpoint/2010/main" val="2782244947"/>
-      </p:ext>
-    </p:extLst>
   </p:cSld>
   <p:clrMapOvr>
     <a:masterClrMapping/>
@@ -1509,6 +1504,7 @@
               <a:rPr lang="en-US" smtClean="0"/>
               <a:t>Click to edit Master text styles</a:t>
             </a:r>
+            <a:endParaRPr lang="en-US" smtClean="0"/>
           </a:p>
         </p:txBody>
       </p:sp>
@@ -1565,6 +1561,7 @@
               <a:rPr lang="en-US" smtClean="0"/>
               <a:t>Click to edit Master text styles</a:t>
             </a:r>
+            <a:endParaRPr lang="en-US" smtClean="0"/>
           </a:p>
           <a:p>
             <a:pPr lvl="1"/>
@@ -1572,6 +1569,7 @@
               <a:rPr lang="en-US" smtClean="0"/>
               <a:t>Second level</a:t>
             </a:r>
+            <a:endParaRPr lang="en-US" smtClean="0"/>
           </a:p>
           <a:p>
             <a:pPr lvl="2"/>
@@ -1579,6 +1577,7 @@
               <a:rPr lang="en-US" smtClean="0"/>
               <a:t>Third level</a:t>
             </a:r>
+            <a:endParaRPr lang="en-US" smtClean="0"/>
           </a:p>
           <a:p>
             <a:pPr lvl="3"/>
@@ -1586,6 +1585,7 @@
               <a:rPr lang="en-US" smtClean="0"/>
               <a:t>Fourth level</a:t>
             </a:r>
+            <a:endParaRPr lang="en-US" smtClean="0"/>
           </a:p>
           <a:p>
             <a:pPr lvl="4"/>
@@ -1659,6 +1659,7 @@
               <a:rPr lang="en-US" smtClean="0"/>
               <a:t>Click to edit Master text styles</a:t>
             </a:r>
+            <a:endParaRPr lang="en-US" smtClean="0"/>
           </a:p>
         </p:txBody>
       </p:sp>
@@ -1715,6 +1716,7 @@
               <a:rPr lang="en-US" smtClean="0"/>
               <a:t>Click to edit Master text styles</a:t>
             </a:r>
+            <a:endParaRPr lang="en-US" smtClean="0"/>
           </a:p>
           <a:p>
             <a:pPr lvl="1"/>
@@ -1722,6 +1724,7 @@
               <a:rPr lang="en-US" smtClean="0"/>
               <a:t>Second level</a:t>
             </a:r>
+            <a:endParaRPr lang="en-US" smtClean="0"/>
           </a:p>
           <a:p>
             <a:pPr lvl="2"/>
@@ -1729,6 +1732,7 @@
               <a:rPr lang="en-US" smtClean="0"/>
               <a:t>Third level</a:t>
             </a:r>
+            <a:endParaRPr lang="en-US" smtClean="0"/>
           </a:p>
           <a:p>
             <a:pPr lvl="3"/>
@@ -1736,6 +1740,7 @@
               <a:rPr lang="en-US" smtClean="0"/>
               <a:t>Fourth level</a:t>
             </a:r>
+            <a:endParaRPr lang="en-US" smtClean="0"/>
           </a:p>
           <a:p>
             <a:pPr lvl="4"/>
@@ -1764,7 +1769,6 @@
           <a:p>
             <a:fld id="{5BCAD085-E8A6-8845-BD4E-CB4CCA059FC4}" type="datetimeFigureOut">
               <a:rPr lang="en-US" smtClean="0"/>
-              <a:t>1/27/13</a:t>
             </a:fld>
             <a:endParaRPr lang="en-US"/>
           </a:p>
@@ -1806,18 +1810,12 @@
           <a:p>
             <a:fld id="{C1FF6DA9-008F-8B48-92A6-B652298478BF}" type="slidenum">
               <a:rPr lang="en-US" smtClean="0"/>
-              <a:t>‹#›</a:t>
             </a:fld>
             <a:endParaRPr lang="en-US"/>
           </a:p>
         </p:txBody>
       </p:sp>
     </p:spTree>
-    <p:extLst>
-      <p:ext uri="{BB962C8B-B14F-4D97-AF65-F5344CB8AC3E}">
-        <p14:creationId xmlns:p14="http://schemas.microsoft.com/office/powerpoint/2010/main" val="990158736"/>
-      </p:ext>
-    </p:extLst>
   </p:cSld>
   <p:clrMapOvr>
     <a:masterClrMapping/>
@@ -1882,7 +1880,6 @@
           <a:p>
             <a:fld id="{5BCAD085-E8A6-8845-BD4E-CB4CCA059FC4}" type="datetimeFigureOut">
               <a:rPr lang="en-US" smtClean="0"/>
-              <a:t>1/27/13</a:t>
             </a:fld>
             <a:endParaRPr lang="en-US"/>
           </a:p>
@@ -1924,18 +1921,12 @@
           <a:p>
             <a:fld id="{C1FF6DA9-008F-8B48-92A6-B652298478BF}" type="slidenum">
               <a:rPr lang="en-US" smtClean="0"/>
-              <a:t>‹#›</a:t>
             </a:fld>
             <a:endParaRPr lang="en-US"/>
           </a:p>
         </p:txBody>
       </p:sp>
     </p:spTree>
-    <p:extLst>
-      <p:ext uri="{BB962C8B-B14F-4D97-AF65-F5344CB8AC3E}">
-        <p14:creationId xmlns:p14="http://schemas.microsoft.com/office/powerpoint/2010/main" val="727027711"/>
-      </p:ext>
-    </p:extLst>
   </p:cSld>
   <p:clrMapOvr>
     <a:masterClrMapping/>
@@ -1977,7 +1968,6 @@
           <a:p>
             <a:fld id="{5BCAD085-E8A6-8845-BD4E-CB4CCA059FC4}" type="datetimeFigureOut">
               <a:rPr lang="en-US" smtClean="0"/>
-              <a:t>1/27/13</a:t>
             </a:fld>
             <a:endParaRPr lang="en-US"/>
           </a:p>
@@ -2019,18 +2009,12 @@
           <a:p>
             <a:fld id="{C1FF6DA9-008F-8B48-92A6-B652298478BF}" type="slidenum">
               <a:rPr lang="en-US" smtClean="0"/>
-              <a:t>‹#›</a:t>
             </a:fld>
             <a:endParaRPr lang="en-US"/>
           </a:p>
         </p:txBody>
       </p:sp>
     </p:spTree>
-    <p:extLst>
-      <p:ext uri="{BB962C8B-B14F-4D97-AF65-F5344CB8AC3E}">
-        <p14:creationId xmlns:p14="http://schemas.microsoft.com/office/powerpoint/2010/main" val="1212999818"/>
-      </p:ext>
-    </p:extLst>
   </p:cSld>
   <p:clrMapOvr>
     <a:masterClrMapping/>
@@ -2140,6 +2124,7 @@
               <a:rPr lang="en-US" smtClean="0"/>
               <a:t>Click to edit Master text styles</a:t>
             </a:r>
+            <a:endParaRPr lang="en-US" smtClean="0"/>
           </a:p>
           <a:p>
             <a:pPr lvl="1"/>
@@ -2147,6 +2132,7 @@
               <a:rPr lang="en-US" smtClean="0"/>
               <a:t>Second level</a:t>
             </a:r>
+            <a:endParaRPr lang="en-US" smtClean="0"/>
           </a:p>
           <a:p>
             <a:pPr lvl="2"/>
@@ -2154,6 +2140,7 @@
               <a:rPr lang="en-US" smtClean="0"/>
               <a:t>Third level</a:t>
             </a:r>
+            <a:endParaRPr lang="en-US" smtClean="0"/>
           </a:p>
           <a:p>
             <a:pPr lvl="3"/>
@@ -2161,6 +2148,7 @@
               <a:rPr lang="en-US" smtClean="0"/>
               <a:t>Fourth level</a:t>
             </a:r>
+            <a:endParaRPr lang="en-US" smtClean="0"/>
           </a:p>
           <a:p>
             <a:pPr lvl="4"/>
@@ -2234,6 +2222,7 @@
               <a:rPr lang="en-US" smtClean="0"/>
               <a:t>Click to edit Master text styles</a:t>
             </a:r>
+            <a:endParaRPr lang="en-US" smtClean="0"/>
           </a:p>
         </p:txBody>
       </p:sp>
@@ -2254,7 +2243,6 @@
           <a:p>
             <a:fld id="{5BCAD085-E8A6-8845-BD4E-CB4CCA059FC4}" type="datetimeFigureOut">
               <a:rPr lang="en-US" smtClean="0"/>
-              <a:t>1/27/13</a:t>
             </a:fld>
             <a:endParaRPr lang="en-US"/>
           </a:p>
@@ -2296,18 +2284,12 @@
           <a:p>
             <a:fld id="{C1FF6DA9-008F-8B48-92A6-B652298478BF}" type="slidenum">
               <a:rPr lang="en-US" smtClean="0"/>
-              <a:t>‹#›</a:t>
             </a:fld>
             <a:endParaRPr lang="en-US"/>
           </a:p>
         </p:txBody>
       </p:sp>
     </p:spTree>
-    <p:extLst>
-      <p:ext uri="{BB962C8B-B14F-4D97-AF65-F5344CB8AC3E}">
-        <p14:creationId xmlns:p14="http://schemas.microsoft.com/office/powerpoint/2010/main" val="1840726560"/>
-      </p:ext>
-    </p:extLst>
   </p:cSld>
   <p:clrMapOvr>
     <a:masterClrMapping/>
@@ -2487,6 +2469,7 @@
               <a:rPr lang="en-US" smtClean="0"/>
               <a:t>Click to edit Master text styles</a:t>
             </a:r>
+            <a:endParaRPr lang="en-US" smtClean="0"/>
           </a:p>
         </p:txBody>
       </p:sp>
@@ -2507,7 +2490,6 @@
           <a:p>
             <a:fld id="{5BCAD085-E8A6-8845-BD4E-CB4CCA059FC4}" type="datetimeFigureOut">
               <a:rPr lang="en-US" smtClean="0"/>
-              <a:t>1/27/13</a:t>
             </a:fld>
             <a:endParaRPr lang="en-US"/>
           </a:p>
@@ -2549,18 +2531,12 @@
           <a:p>
             <a:fld id="{C1FF6DA9-008F-8B48-92A6-B652298478BF}" type="slidenum">
               <a:rPr lang="en-US" smtClean="0"/>
-              <a:t>‹#›</a:t>
             </a:fld>
             <a:endParaRPr lang="en-US"/>
           </a:p>
         </p:txBody>
       </p:sp>
     </p:spTree>
-    <p:extLst>
-      <p:ext uri="{BB962C8B-B14F-4D97-AF65-F5344CB8AC3E}">
-        <p14:creationId xmlns:p14="http://schemas.microsoft.com/office/powerpoint/2010/main" val="3889236939"/>
-      </p:ext>
-    </p:extLst>
   </p:cSld>
   <p:clrMapOvr>
     <a:masterClrMapping/>
@@ -2653,6 +2629,7 @@
               <a:rPr lang="en-US" smtClean="0"/>
               <a:t>Click to edit Master text styles</a:t>
             </a:r>
+            <a:endParaRPr lang="en-US" smtClean="0"/>
           </a:p>
           <a:p>
             <a:pPr lvl="1"/>
@@ -2660,6 +2637,7 @@
               <a:rPr lang="en-US" smtClean="0"/>
               <a:t>Second level</a:t>
             </a:r>
+            <a:endParaRPr lang="en-US" smtClean="0"/>
           </a:p>
           <a:p>
             <a:pPr lvl="2"/>
@@ -2667,6 +2645,7 @@
               <a:rPr lang="en-US" smtClean="0"/>
               <a:t>Third level</a:t>
             </a:r>
+            <a:endParaRPr lang="en-US" smtClean="0"/>
           </a:p>
           <a:p>
             <a:pPr lvl="3"/>
@@ -2674,6 +2653,7 @@
               <a:rPr lang="en-US" smtClean="0"/>
               <a:t>Fourth level</a:t>
             </a:r>
+            <a:endParaRPr lang="en-US" smtClean="0"/>
           </a:p>
           <a:p>
             <a:pPr lvl="4"/>
@@ -2720,7 +2700,6 @@
           <a:p>
             <a:fld id="{5BCAD085-E8A6-8845-BD4E-CB4CCA059FC4}" type="datetimeFigureOut">
               <a:rPr lang="en-US" smtClean="0"/>
-              <a:t>1/27/13</a:t>
             </a:fld>
             <a:endParaRPr lang="en-US"/>
           </a:p>
@@ -2798,18 +2777,12 @@
           <a:p>
             <a:fld id="{C1FF6DA9-008F-8B48-92A6-B652298478BF}" type="slidenum">
               <a:rPr lang="en-US" smtClean="0"/>
-              <a:t>‹#›</a:t>
             </a:fld>
             <a:endParaRPr lang="en-US"/>
           </a:p>
         </p:txBody>
       </p:sp>
     </p:spTree>
-    <p:extLst>
-      <p:ext uri="{BB962C8B-B14F-4D97-AF65-F5344CB8AC3E}">
-        <p14:creationId xmlns:p14="http://schemas.microsoft.com/office/powerpoint/2010/main" val="2209977519"/>
-      </p:ext>
-    </p:extLst>
   </p:cSld>
   <p:clrMap bg1="lt1" tx1="dk1" bg2="lt2" tx2="dk2" accent1="accent1" accent2="accent2" accent3="accent3" accent4="accent4" accent5="accent5" accent6="accent6" hlink="hlink" folHlink="folHlink"/>
   <p:sldLayoutIdLst>
@@ -2847,7 +2820,7 @@
         <a:spcBef>
           <a:spcPct val="20000"/>
         </a:spcBef>
-        <a:buFont typeface="Arial"/>
+        <a:buFont typeface="Arial" panose="020B0604020202090204"/>
         <a:buChar char="•"/>
         <a:defRPr sz="3200" kern="1200">
           <a:solidFill>
@@ -2862,7 +2835,7 @@
         <a:spcBef>
           <a:spcPct val="20000"/>
         </a:spcBef>
-        <a:buFont typeface="Arial"/>
+        <a:buFont typeface="Arial" panose="020B0604020202090204"/>
         <a:buChar char="–"/>
         <a:defRPr sz="2800" kern="1200">
           <a:solidFill>
@@ -2877,7 +2850,7 @@
         <a:spcBef>
           <a:spcPct val="20000"/>
         </a:spcBef>
-        <a:buFont typeface="Arial"/>
+        <a:buFont typeface="Arial" panose="020B0604020202090204"/>
         <a:buChar char="•"/>
         <a:defRPr sz="2400" kern="1200">
           <a:solidFill>
@@ -2892,7 +2865,7 @@
         <a:spcBef>
           <a:spcPct val="20000"/>
         </a:spcBef>
-        <a:buFont typeface="Arial"/>
+        <a:buFont typeface="Arial" panose="020B0604020202090204"/>
         <a:buChar char="–"/>
         <a:defRPr sz="2000" kern="1200">
           <a:solidFill>
@@ -2907,7 +2880,7 @@
         <a:spcBef>
           <a:spcPct val="20000"/>
         </a:spcBef>
-        <a:buFont typeface="Arial"/>
+        <a:buFont typeface="Arial" panose="020B0604020202090204"/>
         <a:buChar char="»"/>
         <a:defRPr sz="2000" kern="1200">
           <a:solidFill>
@@ -2922,7 +2895,7 @@
         <a:spcBef>
           <a:spcPct val="20000"/>
         </a:spcBef>
-        <a:buFont typeface="Arial"/>
+        <a:buFont typeface="Arial" panose="020B0604020202090204"/>
         <a:buChar char="•"/>
         <a:defRPr sz="2000" kern="1200">
           <a:solidFill>
@@ -2937,7 +2910,7 @@
         <a:spcBef>
           <a:spcPct val="20000"/>
         </a:spcBef>
-        <a:buFont typeface="Arial"/>
+        <a:buFont typeface="Arial" panose="020B0604020202090204"/>
         <a:buChar char="•"/>
         <a:defRPr sz="2000" kern="1200">
           <a:solidFill>
@@ -2952,7 +2925,7 @@
         <a:spcBef>
           <a:spcPct val="20000"/>
         </a:spcBef>
-        <a:buFont typeface="Arial"/>
+        <a:buFont typeface="Arial" panose="020B0604020202090204"/>
         <a:buChar char="•"/>
         <a:defRPr sz="2000" kern="1200">
           <a:solidFill>
@@ -2967,7 +2940,7 @@
         <a:spcBef>
           <a:spcPct val="20000"/>
         </a:spcBef>
-        <a:buFont typeface="Arial"/>
+        <a:buFont typeface="Arial" panose="020B0604020202090204"/>
         <a:buChar char="•"/>
         <a:defRPr sz="2000" kern="1200">
           <a:solidFill>
@@ -3079,7 +3052,7 @@
 </file>
 
 <file path=ppt/slides/slide1.xml><?xml version="1.0" encoding="utf-8"?>
-<p:sld xmlns:a="http://schemas.openxmlformats.org/drawingml/2006/main" xmlns:p="http://schemas.openxmlformats.org/presentationml/2006/main" xmlns:r="http://schemas.openxmlformats.org/officeDocument/2006/relationships">
+<p:sld xmlns:a="http://schemas.openxmlformats.org/drawingml/2006/main" xmlns:r="http://schemas.openxmlformats.org/officeDocument/2006/relationships" xmlns:p="http://schemas.openxmlformats.org/presentationml/2006/main">
   <p:cSld>
     <p:spTree>
       <p:nvGrpSpPr>
@@ -3126,7 +3099,7 @@
           </a:fontRef>
         </p:style>
         <p:txBody>
-          <a:bodyPr rtlCol="0" anchor="ctr" wrap="square">
+          <a:bodyPr wrap="square" rtlCol="0" anchor="ctr">
             <a:spAutoFit/>
           </a:bodyPr>
           <a:lstStyle/>
@@ -3139,8 +3112,18 @@
               </a:defRPr>
             </a:pPr>
             <a:r>
+              <a:rPr>
+                <a:solidFill>
+                  <a:schemeClr val="bg1"/>
+                </a:solidFill>
+              </a:rPr>
               <a:t>实例映射研讨会的参考结果</a:t>
             </a:r>
+            <a:endParaRPr>
+              <a:solidFill>
+                <a:schemeClr val="bg1"/>
+              </a:solidFill>
+            </a:endParaRPr>
           </a:p>
         </p:txBody>
       </p:sp>
@@ -3182,7 +3165,7 @@
           </a:fontRef>
         </p:style>
         <p:txBody>
-          <a:bodyPr rtlCol="0" anchor="ctr" wrap="square">
+          <a:bodyPr wrap="square" rtlCol="0" anchor="ctr">
             <a:spAutoFit/>
           </a:bodyPr>
           <a:lstStyle/>
@@ -3208,8 +3191,8 @@
         </p:nvSpPr>
         <p:spPr>
           <a:xfrm>
-            <a:off x="7589520" y="514350"/>
-            <a:ext cx="1371600" cy="128587"/>
+            <a:off x="7269480" y="599440"/>
+            <a:ext cx="1499870" cy="294005"/>
           </a:xfrm>
           <a:prstGeom prst="rect">
             <a:avLst/>
@@ -3238,8 +3221,8 @@
           </a:fontRef>
         </p:style>
         <p:txBody>
-          <a:bodyPr rtlCol="0" anchor="ctr" wrap="square">
-            <a:spAutoFit/>
+          <a:bodyPr wrap="square" rtlCol="0" anchor="ctr">
+            <a:noAutofit/>
           </a:bodyPr>
           <a:lstStyle/>
           <a:p>
@@ -3251,8 +3234,21 @@
               </a:defRPr>
             </a:pPr>
             <a:r>
-              <a:t>捷普AI智能管理平台</a:t>
-            </a:r>
+              <a:rPr lang="zh-CN"/>
+              <a:t>优普丰</a:t>
+            </a:r>
+            <a:r>
+              <a:t>AI</a:t>
+            </a:r>
+            <a:r>
+              <a:rPr lang="zh-CN"/>
+              <a:t>敏捷咨询</a:t>
+            </a:r>
+            <a:r>
+              <a:rPr lang="zh-CN"/>
+              <a:t>管理</a:t>
+            </a:r>
+            <a:endParaRPr lang="zh-CN"/>
           </a:p>
         </p:txBody>
       </p:sp>
@@ -3294,7 +3290,7 @@
           </a:fontRef>
         </p:style>
         <p:txBody>
-          <a:bodyPr rtlCol="0" anchor="ctr" wrap="square">
+          <a:bodyPr wrap="square" rtlCol="0" anchor="ctr">
             <a:spAutoFit/>
           </a:bodyPr>
           <a:lstStyle/>
@@ -3350,7 +3346,7 @@
           </a:fontRef>
         </p:style>
         <p:txBody>
-          <a:bodyPr rtlCol="0" anchor="ctr" wrap="square">
+          <a:bodyPr wrap="square" rtlCol="0" anchor="ctr">
             <a:spAutoFit/>
           </a:bodyPr>
           <a:lstStyle/>
@@ -3406,7 +3402,7 @@
           </a:fontRef>
         </p:style>
         <p:txBody>
-          <a:bodyPr rtlCol="0" anchor="ctr" wrap="square">
+          <a:bodyPr wrap="square" rtlCol="0" anchor="ctr">
             <a:spAutoFit/>
           </a:bodyPr>
           <a:lstStyle/>
@@ -3462,7 +3458,7 @@
           </a:fontRef>
         </p:style>
         <p:txBody>
-          <a:bodyPr rtlCol="0" anchor="ctr" wrap="square">
+          <a:bodyPr wrap="square" rtlCol="0" anchor="ctr">
             <a:spAutoFit/>
           </a:bodyPr>
           <a:lstStyle/>
@@ -3518,7 +3514,7 @@
           </a:fontRef>
         </p:style>
         <p:txBody>
-          <a:bodyPr rtlCol="0" anchor="ctr" wrap="square">
+          <a:bodyPr wrap="square" rtlCol="0" anchor="ctr">
             <a:spAutoFit/>
           </a:bodyPr>
           <a:lstStyle/>
@@ -3574,7 +3570,7 @@
           </a:fontRef>
         </p:style>
         <p:txBody>
-          <a:bodyPr rtlCol="0" anchor="ctr" wrap="square">
+          <a:bodyPr wrap="square" rtlCol="0" anchor="ctr">
             <a:spAutoFit/>
           </a:bodyPr>
           <a:lstStyle/>
@@ -3630,7 +3626,7 @@
           </a:fontRef>
         </p:style>
         <p:txBody>
-          <a:bodyPr rtlCol="0" anchor="ctr" wrap="square">
+          <a:bodyPr wrap="square" rtlCol="0" anchor="ctr">
             <a:spAutoFit/>
           </a:bodyPr>
           <a:lstStyle/>
@@ -3686,7 +3682,7 @@
           </a:fontRef>
         </p:style>
         <p:txBody>
-          <a:bodyPr rtlCol="0" anchor="ctr" wrap="square">
+          <a:bodyPr wrap="square" rtlCol="0" anchor="ctr">
             <a:spAutoFit/>
           </a:bodyPr>
           <a:lstStyle/>
@@ -3742,7 +3738,7 @@
           </a:fontRef>
         </p:style>
         <p:txBody>
-          <a:bodyPr rtlCol="0" anchor="ctr" wrap="square">
+          <a:bodyPr wrap="square" rtlCol="0" anchor="ctr">
             <a:spAutoFit/>
           </a:bodyPr>
           <a:lstStyle/>
@@ -3798,7 +3794,7 @@
           </a:fontRef>
         </p:style>
         <p:txBody>
-          <a:bodyPr rtlCol="0" anchor="ctr" wrap="square">
+          <a:bodyPr wrap="square" rtlCol="0" anchor="ctr">
             <a:spAutoFit/>
           </a:bodyPr>
           <a:lstStyle/>
@@ -3854,7 +3850,7 @@
           </a:fontRef>
         </p:style>
         <p:txBody>
-          <a:bodyPr rtlCol="0" anchor="ctr" wrap="square">
+          <a:bodyPr wrap="square" rtlCol="0" anchor="ctr">
             <a:spAutoFit/>
           </a:bodyPr>
           <a:lstStyle/>
@@ -3910,7 +3906,7 @@
           </a:fontRef>
         </p:style>
         <p:txBody>
-          <a:bodyPr rtlCol="0" anchor="ctr" wrap="square">
+          <a:bodyPr wrap="square" rtlCol="0" anchor="ctr">
             <a:spAutoFit/>
           </a:bodyPr>
           <a:lstStyle/>
@@ -3966,7 +3962,7 @@
           </a:fontRef>
         </p:style>
         <p:txBody>
-          <a:bodyPr rtlCol="0" anchor="ctr" wrap="square">
+          <a:bodyPr wrap="square" rtlCol="0" anchor="ctr">
             <a:spAutoFit/>
           </a:bodyPr>
           <a:lstStyle/>
@@ -4022,7 +4018,7 @@
           </a:fontRef>
         </p:style>
         <p:txBody>
-          <a:bodyPr rtlCol="0" anchor="ctr" wrap="square">
+          <a:bodyPr wrap="square" rtlCol="0" anchor="ctr">
             <a:spAutoFit/>
           </a:bodyPr>
           <a:lstStyle/>
@@ -4078,7 +4074,7 @@
           </a:fontRef>
         </p:style>
         <p:txBody>
-          <a:bodyPr rtlCol="0" anchor="ctr" wrap="square">
+          <a:bodyPr wrap="square" rtlCol="0" anchor="ctr">
             <a:spAutoFit/>
           </a:bodyPr>
           <a:lstStyle/>
@@ -4134,7 +4130,7 @@
           </a:fontRef>
         </p:style>
         <p:txBody>
-          <a:bodyPr rtlCol="0" anchor="ctr" wrap="square">
+          <a:bodyPr wrap="square" rtlCol="0" anchor="ctr">
             <a:spAutoFit/>
           </a:bodyPr>
           <a:lstStyle/>
@@ -4190,7 +4186,7 @@
           </a:fontRef>
         </p:style>
         <p:txBody>
-          <a:bodyPr rtlCol="0" anchor="ctr" wrap="square">
+          <a:bodyPr wrap="square" rtlCol="0" anchor="ctr">
             <a:spAutoFit/>
           </a:bodyPr>
           <a:lstStyle/>
@@ -4246,7 +4242,7 @@
           </a:fontRef>
         </p:style>
         <p:txBody>
-          <a:bodyPr rtlCol="0" anchor="ctr" wrap="square">
+          <a:bodyPr wrap="square" rtlCol="0" anchor="ctr">
             <a:spAutoFit/>
           </a:bodyPr>
           <a:lstStyle/>
@@ -4302,7 +4298,7 @@
           </a:fontRef>
         </p:style>
         <p:txBody>
-          <a:bodyPr rtlCol="0" anchor="ctr" wrap="square">
+          <a:bodyPr wrap="square" rtlCol="0" anchor="ctr">
             <a:spAutoFit/>
           </a:bodyPr>
           <a:lstStyle/>
@@ -5159,6 +5155,10 @@
       </a:style>
     </a:lnDef>
   </a:objectDefaults>
-  <a:extraClrSchemeLst/>
+  <a:extLst>
+    <a:ext uri="{05A4C25C-085E-4340-85A3-A5531E510DB2}">
+      <thm15:themeFamily xmlns:thm15="http://schemas.microsoft.com/office/thememl/2012/main" name="Office Theme" id="{62F939B6-93AF-4DB8-9C6B-D6C7DFDC589F}" vid="{4A3C46E8-61CC-4603-A589-7422A47A8E4A}"/>
+    </a:ext>
+  </a:extLst>
 </a:theme>
 </file>